--- a/萬國得知你的救恩(崇拜版).pptx
+++ b/萬國得知你的救恩(崇拜版).pptx
@@ -10,7 +10,7 @@
     <p:sldId id="258" r:id="rId4"/>
     <p:sldId id="259" r:id="rId5"/>
   </p:sldIdLst>
-  <p:sldSz cx="9144000" cy="6858000" type="screen4x3"/>
+  <p:sldSz cx="9144000" cy="5143500" type="screen16x9"/>
   <p:notesSz cx="6858000" cy="9144000"/>
   <p:defaultTextStyle>
     <a:defPPr>
@@ -139,8 +139,8 @@
         </p:nvSpPr>
         <p:spPr>
           <a:xfrm>
-            <a:off x="685800" y="2130425"/>
-            <a:ext cx="7772400" cy="1470025"/>
+            <a:off x="685800" y="1597819"/>
+            <a:ext cx="7772400" cy="1102519"/>
           </a:xfrm>
         </p:spPr>
         <p:txBody>
@@ -167,8 +167,8 @@
         </p:nvSpPr>
         <p:spPr>
           <a:xfrm>
-            <a:off x="1371600" y="3886200"/>
-            <a:ext cx="6400800" cy="1752600"/>
+            <a:off x="1371600" y="2914650"/>
+            <a:ext cx="6400800" cy="1314450"/>
           </a:xfrm>
         </p:spPr>
         <p:txBody>
@@ -291,7 +291,7 @@
           <a:p>
             <a:fld id="{8117E584-0345-455E-92E5-C83A03908D5D}" type="datetimeFigureOut">
               <a:rPr lang="zh-TW" altLang="en-US" smtClean="0"/>
-              <a:t>2017/10/28</a:t>
+              <a:t>2019/8/17</a:t>
             </a:fld>
             <a:endParaRPr lang="zh-TW" altLang="en-US"/>
           </a:p>
@@ -456,7 +456,7 @@
           <a:p>
             <a:fld id="{8117E584-0345-455E-92E5-C83A03908D5D}" type="datetimeFigureOut">
               <a:rPr lang="zh-TW" altLang="en-US" smtClean="0"/>
-              <a:t>2017/10/28</a:t>
+              <a:t>2019/8/17</a:t>
             </a:fld>
             <a:endParaRPr lang="zh-TW" altLang="en-US"/>
           </a:p>
@@ -541,8 +541,8 @@
         </p:nvSpPr>
         <p:spPr>
           <a:xfrm>
-            <a:off x="6629400" y="274638"/>
-            <a:ext cx="2057400" cy="5851525"/>
+            <a:off x="6629400" y="205979"/>
+            <a:ext cx="2057400" cy="4388644"/>
           </a:xfrm>
         </p:spPr>
         <p:txBody>
@@ -569,8 +569,8 @@
         </p:nvSpPr>
         <p:spPr>
           <a:xfrm>
-            <a:off x="457200" y="274638"/>
-            <a:ext cx="6019800" cy="5851525"/>
+            <a:off x="457200" y="205979"/>
+            <a:ext cx="6019800" cy="4388644"/>
           </a:xfrm>
         </p:spPr>
         <p:txBody>
@@ -631,7 +631,7 @@
           <a:p>
             <a:fld id="{8117E584-0345-455E-92E5-C83A03908D5D}" type="datetimeFigureOut">
               <a:rPr lang="zh-TW" altLang="en-US" smtClean="0"/>
-              <a:t>2017/10/28</a:t>
+              <a:t>2019/8/17</a:t>
             </a:fld>
             <a:endParaRPr lang="zh-TW" altLang="en-US"/>
           </a:p>
@@ -796,7 +796,7 @@
           <a:p>
             <a:fld id="{8117E584-0345-455E-92E5-C83A03908D5D}" type="datetimeFigureOut">
               <a:rPr lang="zh-TW" altLang="en-US" smtClean="0"/>
-              <a:t>2017/10/28</a:t>
+              <a:t>2019/8/17</a:t>
             </a:fld>
             <a:endParaRPr lang="zh-TW" altLang="en-US"/>
           </a:p>
@@ -881,8 +881,8 @@
         </p:nvSpPr>
         <p:spPr>
           <a:xfrm>
-            <a:off x="722313" y="4406900"/>
-            <a:ext cx="7772400" cy="1362075"/>
+            <a:off x="722313" y="3305176"/>
+            <a:ext cx="7772400" cy="1021556"/>
           </a:xfrm>
         </p:spPr>
         <p:txBody>
@@ -913,8 +913,8 @@
         </p:nvSpPr>
         <p:spPr>
           <a:xfrm>
-            <a:off x="722313" y="2906713"/>
-            <a:ext cx="7772400" cy="1500187"/>
+            <a:off x="722313" y="2180035"/>
+            <a:ext cx="7772400" cy="1125140"/>
           </a:xfrm>
         </p:spPr>
         <p:txBody>
@@ -1037,7 +1037,7 @@
           <a:p>
             <a:fld id="{8117E584-0345-455E-92E5-C83A03908D5D}" type="datetimeFigureOut">
               <a:rPr lang="zh-TW" altLang="en-US" smtClean="0"/>
-              <a:t>2017/10/28</a:t>
+              <a:t>2019/8/17</a:t>
             </a:fld>
             <a:endParaRPr lang="zh-TW" altLang="en-US"/>
           </a:p>
@@ -1145,8 +1145,8 @@
         </p:nvSpPr>
         <p:spPr>
           <a:xfrm>
-            <a:off x="457200" y="1600200"/>
-            <a:ext cx="4038600" cy="4525963"/>
+            <a:off x="457200" y="1200151"/>
+            <a:ext cx="4038600" cy="3394472"/>
           </a:xfrm>
         </p:spPr>
         <p:txBody>
@@ -1230,8 +1230,8 @@
         </p:nvSpPr>
         <p:spPr>
           <a:xfrm>
-            <a:off x="4648200" y="1600200"/>
-            <a:ext cx="4038600" cy="4525963"/>
+            <a:off x="4648200" y="1200151"/>
+            <a:ext cx="4038600" cy="3394472"/>
           </a:xfrm>
         </p:spPr>
         <p:txBody>
@@ -1320,7 +1320,7 @@
           <a:p>
             <a:fld id="{8117E584-0345-455E-92E5-C83A03908D5D}" type="datetimeFigureOut">
               <a:rPr lang="zh-TW" altLang="en-US" smtClean="0"/>
-              <a:t>2017/10/28</a:t>
+              <a:t>2019/8/17</a:t>
             </a:fld>
             <a:endParaRPr lang="zh-TW" altLang="en-US"/>
           </a:p>
@@ -1432,8 +1432,8 @@
         </p:nvSpPr>
         <p:spPr>
           <a:xfrm>
-            <a:off x="457200" y="1535113"/>
-            <a:ext cx="4040188" cy="639762"/>
+            <a:off x="457200" y="1151335"/>
+            <a:ext cx="4040188" cy="479822"/>
           </a:xfrm>
         </p:spPr>
         <p:txBody>
@@ -1497,8 +1497,8 @@
         </p:nvSpPr>
         <p:spPr>
           <a:xfrm>
-            <a:off x="457200" y="2174875"/>
-            <a:ext cx="4040188" cy="3951288"/>
+            <a:off x="457200" y="1631156"/>
+            <a:ext cx="4040188" cy="2963466"/>
           </a:xfrm>
         </p:spPr>
         <p:txBody>
@@ -1582,8 +1582,8 @@
         </p:nvSpPr>
         <p:spPr>
           <a:xfrm>
-            <a:off x="4645025" y="1535113"/>
-            <a:ext cx="4041775" cy="639762"/>
+            <a:off x="4645026" y="1151335"/>
+            <a:ext cx="4041775" cy="479822"/>
           </a:xfrm>
         </p:spPr>
         <p:txBody>
@@ -1647,8 +1647,8 @@
         </p:nvSpPr>
         <p:spPr>
           <a:xfrm>
-            <a:off x="4645025" y="2174875"/>
-            <a:ext cx="4041775" cy="3951288"/>
+            <a:off x="4645026" y="1631156"/>
+            <a:ext cx="4041775" cy="2963466"/>
           </a:xfrm>
         </p:spPr>
         <p:txBody>
@@ -1737,7 +1737,7 @@
           <a:p>
             <a:fld id="{8117E584-0345-455E-92E5-C83A03908D5D}" type="datetimeFigureOut">
               <a:rPr lang="zh-TW" altLang="en-US" smtClean="0"/>
-              <a:t>2017/10/28</a:t>
+              <a:t>2019/8/17</a:t>
             </a:fld>
             <a:endParaRPr lang="zh-TW" altLang="en-US"/>
           </a:p>
@@ -1850,7 +1850,7 @@
           <a:p>
             <a:fld id="{8117E584-0345-455E-92E5-C83A03908D5D}" type="datetimeFigureOut">
               <a:rPr lang="zh-TW" altLang="en-US" smtClean="0"/>
-              <a:t>2017/10/28</a:t>
+              <a:t>2019/8/17</a:t>
             </a:fld>
             <a:endParaRPr lang="zh-TW" altLang="en-US"/>
           </a:p>
@@ -1940,7 +1940,7 @@
           <a:p>
             <a:fld id="{8117E584-0345-455E-92E5-C83A03908D5D}" type="datetimeFigureOut">
               <a:rPr lang="zh-TW" altLang="en-US" smtClean="0"/>
-              <a:t>2017/10/28</a:t>
+              <a:t>2019/8/17</a:t>
             </a:fld>
             <a:endParaRPr lang="zh-TW" altLang="en-US"/>
           </a:p>
@@ -2025,8 +2025,8 @@
         </p:nvSpPr>
         <p:spPr>
           <a:xfrm>
-            <a:off x="457200" y="273050"/>
-            <a:ext cx="3008313" cy="1162050"/>
+            <a:off x="457201" y="204787"/>
+            <a:ext cx="3008313" cy="871538"/>
           </a:xfrm>
         </p:spPr>
         <p:txBody>
@@ -2057,8 +2057,8 @@
         </p:nvSpPr>
         <p:spPr>
           <a:xfrm>
-            <a:off x="3575050" y="273050"/>
-            <a:ext cx="5111750" cy="5853113"/>
+            <a:off x="3575050" y="204788"/>
+            <a:ext cx="5111750" cy="4389835"/>
           </a:xfrm>
         </p:spPr>
         <p:txBody>
@@ -2142,8 +2142,8 @@
         </p:nvSpPr>
         <p:spPr>
           <a:xfrm>
-            <a:off x="457200" y="1435100"/>
-            <a:ext cx="3008313" cy="4691063"/>
+            <a:off x="457201" y="1076326"/>
+            <a:ext cx="3008313" cy="3518297"/>
           </a:xfrm>
         </p:spPr>
         <p:txBody>
@@ -2212,7 +2212,7 @@
           <a:p>
             <a:fld id="{8117E584-0345-455E-92E5-C83A03908D5D}" type="datetimeFigureOut">
               <a:rPr lang="zh-TW" altLang="en-US" smtClean="0"/>
-              <a:t>2017/10/28</a:t>
+              <a:t>2019/8/17</a:t>
             </a:fld>
             <a:endParaRPr lang="zh-TW" altLang="en-US"/>
           </a:p>
@@ -2297,8 +2297,8 @@
         </p:nvSpPr>
         <p:spPr>
           <a:xfrm>
-            <a:off x="1792288" y="4800600"/>
-            <a:ext cx="5486400" cy="566738"/>
+            <a:off x="1792288" y="3600450"/>
+            <a:ext cx="5486400" cy="425054"/>
           </a:xfrm>
         </p:spPr>
         <p:txBody>
@@ -2329,8 +2329,8 @@
         </p:nvSpPr>
         <p:spPr>
           <a:xfrm>
-            <a:off x="1792288" y="612775"/>
-            <a:ext cx="5486400" cy="4114800"/>
+            <a:off x="1792288" y="459581"/>
+            <a:ext cx="5486400" cy="3086100"/>
           </a:xfrm>
         </p:spPr>
         <p:txBody>
@@ -2394,8 +2394,8 @@
         </p:nvSpPr>
         <p:spPr>
           <a:xfrm>
-            <a:off x="1792288" y="5367338"/>
-            <a:ext cx="5486400" cy="804862"/>
+            <a:off x="1792288" y="4025503"/>
+            <a:ext cx="5486400" cy="603647"/>
           </a:xfrm>
         </p:spPr>
         <p:txBody>
@@ -2464,7 +2464,7 @@
           <a:p>
             <a:fld id="{8117E584-0345-455E-92E5-C83A03908D5D}" type="datetimeFigureOut">
               <a:rPr lang="zh-TW" altLang="en-US" smtClean="0"/>
-              <a:t>2017/10/28</a:t>
+              <a:t>2019/8/17</a:t>
             </a:fld>
             <a:endParaRPr lang="zh-TW" altLang="en-US"/>
           </a:p>
@@ -2559,8 +2559,8 @@
         </p:nvSpPr>
         <p:spPr>
           <a:xfrm>
-            <a:off x="457200" y="274638"/>
-            <a:ext cx="8229600" cy="1143000"/>
+            <a:off x="457200" y="205979"/>
+            <a:ext cx="8229600" cy="857250"/>
           </a:xfrm>
           <a:prstGeom prst="rect">
             <a:avLst/>
@@ -2592,8 +2592,8 @@
         </p:nvSpPr>
         <p:spPr>
           <a:xfrm>
-            <a:off x="457200" y="1600200"/>
-            <a:ext cx="8229600" cy="4525963"/>
+            <a:off x="457200" y="1200151"/>
+            <a:ext cx="8229600" cy="3394472"/>
           </a:xfrm>
           <a:prstGeom prst="rect">
             <a:avLst/>
@@ -2654,8 +2654,8 @@
         </p:nvSpPr>
         <p:spPr>
           <a:xfrm>
-            <a:off x="457200" y="6356350"/>
-            <a:ext cx="2133600" cy="365125"/>
+            <a:off x="457200" y="4767263"/>
+            <a:ext cx="2133600" cy="273844"/>
           </a:xfrm>
           <a:prstGeom prst="rect">
             <a:avLst/>
@@ -2677,7 +2677,7 @@
           <a:p>
             <a:fld id="{8117E584-0345-455E-92E5-C83A03908D5D}" type="datetimeFigureOut">
               <a:rPr lang="zh-TW" altLang="en-US" smtClean="0"/>
-              <a:t>2017/10/28</a:t>
+              <a:t>2019/8/17</a:t>
             </a:fld>
             <a:endParaRPr lang="zh-TW" altLang="en-US"/>
           </a:p>
@@ -2695,8 +2695,8 @@
         </p:nvSpPr>
         <p:spPr>
           <a:xfrm>
-            <a:off x="3124200" y="6356350"/>
-            <a:ext cx="2895600" cy="365125"/>
+            <a:off x="3124200" y="4767263"/>
+            <a:ext cx="2895600" cy="273844"/>
           </a:xfrm>
           <a:prstGeom prst="rect">
             <a:avLst/>
@@ -2732,8 +2732,8 @@
         </p:nvSpPr>
         <p:spPr>
           <a:xfrm>
-            <a:off x="6553200" y="6356350"/>
-            <a:ext cx="2133600" cy="365125"/>
+            <a:off x="6553200" y="4767263"/>
+            <a:ext cx="2133600" cy="273844"/>
           </a:xfrm>
           <a:prstGeom prst="rect">
             <a:avLst/>
@@ -3059,11 +3059,13 @@
         </p:nvSpPr>
         <p:spPr/>
         <p:txBody>
-          <a:bodyPr/>
-          <a:lstStyle/>
-          <a:p>
-            <a:r>
-              <a:rPr lang="zh-TW" altLang="en-US" b="1" dirty="0">
+          <a:bodyPr>
+            <a:normAutofit/>
+          </a:bodyPr>
+          <a:lstStyle/>
+          <a:p>
+            <a:r>
+              <a:rPr lang="zh-TW" altLang="en-US" sz="4000" b="1" dirty="0">
                 <a:solidFill>
                   <a:srgbClr val="660033"/>
                 </a:solidFill>
@@ -3088,7 +3090,7 @@
         <p:spPr/>
         <p:txBody>
           <a:bodyPr>
-            <a:normAutofit/>
+            <a:noAutofit/>
           </a:bodyPr>
           <a:lstStyle/>
           <a:p>
@@ -3096,7 +3098,7 @@
               <a:buNone/>
             </a:pPr>
             <a:r>
-              <a:rPr lang="zh-TW" altLang="en-US" sz="5400" b="1" dirty="0">
+              <a:rPr lang="zh-TW" altLang="en-US" sz="4800" b="1" dirty="0">
                 <a:solidFill>
                   <a:srgbClr val="660033"/>
                 </a:solidFill>
@@ -3106,7 +3108,7 @@
               <a:t>主你造諸</a:t>
             </a:r>
             <a:r>
-              <a:rPr lang="zh-TW" altLang="en-US" sz="5400" b="1" dirty="0" smtClean="0">
+              <a:rPr lang="zh-TW" altLang="en-US" sz="4800" b="1" dirty="0" smtClean="0">
                 <a:solidFill>
                   <a:srgbClr val="660033"/>
                 </a:solidFill>
@@ -3115,7 +3117,7 @@
               </a:rPr>
               <a:t>天  鋪開大地</a:t>
             </a:r>
-            <a:endParaRPr lang="en-US" altLang="zh-TW" sz="5400" b="1" dirty="0" smtClean="0">
+            <a:endParaRPr lang="en-US" altLang="zh-TW" sz="4800" b="1" dirty="0" smtClean="0">
               <a:solidFill>
                 <a:srgbClr val="660033"/>
               </a:solidFill>
@@ -3128,7 +3130,7 @@
               <a:buNone/>
             </a:pPr>
             <a:r>
-              <a:rPr lang="zh-TW" altLang="en-US" sz="5400" b="1" dirty="0" smtClean="0">
+              <a:rPr lang="zh-TW" altLang="en-US" sz="4800" b="1" dirty="0" smtClean="0">
                 <a:solidFill>
                   <a:srgbClr val="660033"/>
                 </a:solidFill>
@@ -3138,7 +3140,7 @@
               <a:t>高</a:t>
             </a:r>
             <a:r>
-              <a:rPr lang="zh-TW" altLang="en-US" sz="5400" b="1" dirty="0">
+              <a:rPr lang="zh-TW" altLang="en-US" sz="4800" b="1" dirty="0">
                 <a:solidFill>
                   <a:srgbClr val="660033"/>
                 </a:solidFill>
@@ -3148,7 +3150,7 @@
               <a:t>坐在施恩寶座</a:t>
             </a:r>
             <a:r>
-              <a:rPr lang="zh-TW" altLang="en-US" sz="5400" b="1" dirty="0" smtClean="0">
+              <a:rPr lang="zh-TW" altLang="en-US" sz="4800" b="1" dirty="0" smtClean="0">
                 <a:solidFill>
                   <a:srgbClr val="660033"/>
                 </a:solidFill>
@@ -3157,7 +3159,7 @@
               </a:rPr>
               <a:t>上</a:t>
             </a:r>
-            <a:endParaRPr lang="en-US" altLang="zh-TW" sz="5400" b="1" dirty="0">
+            <a:endParaRPr lang="en-US" altLang="zh-TW" sz="4800" b="1" dirty="0">
               <a:solidFill>
                 <a:srgbClr val="660033"/>
               </a:solidFill>
@@ -3170,7 +3172,7 @@
               <a:buNone/>
             </a:pPr>
             <a:r>
-              <a:rPr lang="zh-TW" altLang="en-US" sz="5400" b="1" dirty="0" smtClean="0">
+              <a:rPr lang="zh-TW" altLang="en-US" sz="4800" b="1" dirty="0" smtClean="0">
                 <a:solidFill>
                   <a:srgbClr val="660033"/>
                 </a:solidFill>
@@ -3180,7 +3182,7 @@
               <a:t>公</a:t>
             </a:r>
             <a:r>
-              <a:rPr lang="zh-TW" altLang="en-US" sz="5400" b="1" dirty="0">
+              <a:rPr lang="zh-TW" altLang="en-US" sz="4800" b="1" dirty="0">
                 <a:solidFill>
                   <a:srgbClr val="660033"/>
                 </a:solidFill>
@@ -3190,7 +3192,7 @@
               <a:t>義</a:t>
             </a:r>
             <a:r>
-              <a:rPr lang="zh-TW" altLang="en-US" sz="5400" b="1" dirty="0" smtClean="0">
+              <a:rPr lang="zh-TW" altLang="en-US" sz="4800" b="1" dirty="0" smtClean="0">
                 <a:solidFill>
                   <a:srgbClr val="660033"/>
                 </a:solidFill>
@@ -3199,7 +3201,7 @@
               </a:rPr>
               <a:t>發出 儼如光輝</a:t>
             </a:r>
-            <a:endParaRPr lang="en-US" altLang="zh-TW" sz="5400" b="1" dirty="0" smtClean="0">
+            <a:endParaRPr lang="en-US" altLang="zh-TW" sz="4800" b="1" dirty="0" smtClean="0">
               <a:solidFill>
                 <a:srgbClr val="660033"/>
               </a:solidFill>
@@ -3212,7 +3214,7 @@
               <a:buNone/>
             </a:pPr>
             <a:r>
-              <a:rPr lang="zh-TW" altLang="en-US" sz="5400" b="1" dirty="0" smtClean="0">
+              <a:rPr lang="zh-TW" altLang="en-US" sz="4800" b="1" dirty="0" smtClean="0">
                 <a:solidFill>
                   <a:srgbClr val="660033"/>
                 </a:solidFill>
@@ -3222,7 +3224,7 @@
               <a:t>你</a:t>
             </a:r>
             <a:r>
-              <a:rPr lang="zh-TW" altLang="en-US" sz="5400" b="1" dirty="0">
+              <a:rPr lang="zh-TW" altLang="en-US" sz="4800" b="1" dirty="0">
                 <a:solidFill>
                   <a:srgbClr val="660033"/>
                 </a:solidFill>
@@ -3271,11 +3273,13 @@
         </p:nvSpPr>
         <p:spPr/>
         <p:txBody>
-          <a:bodyPr/>
-          <a:lstStyle/>
-          <a:p>
-            <a:r>
-              <a:rPr lang="zh-TW" altLang="en-US" b="1" dirty="0">
+          <a:bodyPr>
+            <a:normAutofit/>
+          </a:bodyPr>
+          <a:lstStyle/>
+          <a:p>
+            <a:r>
+              <a:rPr lang="zh-TW" altLang="en-US" sz="4000" b="1" dirty="0">
                 <a:solidFill>
                   <a:srgbClr val="660033"/>
                 </a:solidFill>
@@ -3300,7 +3304,7 @@
         <p:spPr/>
         <p:txBody>
           <a:bodyPr>
-            <a:normAutofit/>
+            <a:noAutofit/>
           </a:bodyPr>
           <a:lstStyle/>
           <a:p>
@@ -3308,7 +3312,7 @@
               <a:buNone/>
             </a:pPr>
             <a:r>
-              <a:rPr lang="zh-TW" altLang="en-US" sz="5400" b="1" dirty="0" smtClean="0">
+              <a:rPr lang="zh-TW" altLang="en-US" sz="4800" b="1" dirty="0">
                 <a:solidFill>
                   <a:srgbClr val="660033"/>
                 </a:solidFill>
@@ -3317,7 +3321,7 @@
               </a:rPr>
               <a:t>你的臂膀  大有能力</a:t>
             </a:r>
-            <a:endParaRPr lang="en-US" altLang="zh-TW" sz="5400" b="1" dirty="0" smtClean="0">
+            <a:endParaRPr lang="en-US" altLang="zh-TW" sz="4800" b="1" dirty="0">
               <a:solidFill>
                 <a:srgbClr val="660033"/>
               </a:solidFill>
@@ -3330,7 +3334,7 @@
               <a:buNone/>
             </a:pPr>
             <a:r>
-              <a:rPr lang="zh-TW" altLang="en-US" sz="5400" b="1" dirty="0" smtClean="0">
+              <a:rPr lang="zh-TW" altLang="en-US" sz="4800" b="1" dirty="0">
                 <a:solidFill>
                   <a:srgbClr val="660033"/>
                 </a:solidFill>
@@ -3339,7 +3343,7 @@
               </a:rPr>
               <a:t>你的殿宇高大輝煌</a:t>
             </a:r>
-            <a:endParaRPr lang="en-US" altLang="zh-TW" sz="5400" b="1" dirty="0" smtClean="0">
+            <a:endParaRPr lang="en-US" altLang="zh-TW" sz="4800" b="1" dirty="0">
               <a:solidFill>
                 <a:srgbClr val="660033"/>
               </a:solidFill>
@@ -3352,7 +3356,7 @@
               <a:buNone/>
             </a:pPr>
             <a:r>
-              <a:rPr lang="zh-TW" altLang="en-US" sz="5400" b="1" dirty="0" smtClean="0">
+              <a:rPr lang="zh-TW" altLang="en-US" sz="4800" b="1" dirty="0">
                 <a:solidFill>
                   <a:srgbClr val="660033"/>
                 </a:solidFill>
@@ -3361,7 +3365,7 @@
               </a:rPr>
               <a:t>普天之下  萬國的神</a:t>
             </a:r>
-            <a:endParaRPr lang="en-US" altLang="zh-TW" sz="5400" b="1" dirty="0" smtClean="0">
+            <a:endParaRPr lang="en-US" altLang="zh-TW" sz="4800" b="1" dirty="0">
               <a:solidFill>
                 <a:srgbClr val="660033"/>
               </a:solidFill>
@@ -3374,7 +3378,7 @@
               <a:buNone/>
             </a:pPr>
             <a:r>
-              <a:rPr lang="zh-TW" altLang="en-US" sz="5400" b="1" dirty="0" smtClean="0">
+              <a:rPr lang="zh-TW" altLang="en-US" sz="4800" b="1" dirty="0">
                 <a:solidFill>
                   <a:srgbClr val="660033"/>
                 </a:solidFill>
@@ -3383,7 +3387,7 @@
               </a:rPr>
               <a:t>你的慈愛充滿全地之上</a:t>
             </a:r>
-            <a:endParaRPr lang="zh-TW" altLang="en-US" sz="5400" b="1" dirty="0">
+            <a:endParaRPr lang="zh-TW" altLang="en-US" sz="4800" b="1" dirty="0">
               <a:solidFill>
                 <a:srgbClr val="660033"/>
               </a:solidFill>
@@ -3430,11 +3434,13 @@
         </p:nvSpPr>
         <p:spPr/>
         <p:txBody>
-          <a:bodyPr/>
-          <a:lstStyle/>
-          <a:p>
-            <a:r>
-              <a:rPr lang="zh-TW" altLang="en-US" b="1" dirty="0">
+          <a:bodyPr>
+            <a:normAutofit/>
+          </a:bodyPr>
+          <a:lstStyle/>
+          <a:p>
+            <a:r>
+              <a:rPr lang="zh-TW" altLang="en-US" sz="4000" b="1" dirty="0">
                 <a:solidFill>
                   <a:srgbClr val="660033"/>
                 </a:solidFill>
@@ -3459,7 +3465,7 @@
         <p:spPr/>
         <p:txBody>
           <a:bodyPr>
-            <a:normAutofit/>
+            <a:noAutofit/>
           </a:bodyPr>
           <a:lstStyle/>
           <a:p>
@@ -3467,26 +3473,16 @@
               <a:buNone/>
             </a:pPr>
             <a:r>
-              <a:rPr lang="zh-TW" altLang="en-US" sz="5400" b="1" dirty="0" smtClean="0">
+              <a:rPr lang="zh-TW" altLang="en-US" sz="4800" b="1" dirty="0">
                 <a:solidFill>
                   <a:srgbClr val="660033"/>
                 </a:solidFill>
                 <a:latin typeface="微軟正黑體" pitchFamily="34" charset="-120"/>
                 <a:ea typeface="微軟正黑體" pitchFamily="34" charset="-120"/>
               </a:rPr>
-              <a:t>讓我們起來</a:t>
-            </a:r>
-            <a:r>
-              <a:rPr lang="zh-TW" altLang="en-US" sz="5400" b="1" dirty="0" smtClean="0">
-                <a:solidFill>
-                  <a:srgbClr val="660033"/>
-                </a:solidFill>
-                <a:latin typeface="微軟正黑體" pitchFamily="34" charset="-120"/>
-                <a:ea typeface="微軟正黑體" pitchFamily="34" charset="-120"/>
-              </a:rPr>
-              <a:t>傳揚</a:t>
-            </a:r>
-            <a:endParaRPr lang="en-US" altLang="zh-TW" sz="5400" b="1" dirty="0" smtClean="0">
+              <a:t>讓我們起來傳揚</a:t>
+            </a:r>
+            <a:endParaRPr lang="en-US" altLang="zh-TW" sz="4800" b="1" dirty="0">
               <a:solidFill>
                 <a:srgbClr val="660033"/>
               </a:solidFill>
@@ -3499,36 +3495,16 @@
               <a:buNone/>
             </a:pPr>
             <a:r>
-              <a:rPr lang="zh-TW" altLang="en-US" sz="5400" b="1" dirty="0" smtClean="0">
+              <a:rPr lang="zh-TW" altLang="en-US" sz="4800" b="1" dirty="0">
                 <a:solidFill>
                   <a:srgbClr val="660033"/>
                 </a:solidFill>
                 <a:latin typeface="微軟正黑體" pitchFamily="34" charset="-120"/>
                 <a:ea typeface="微軟正黑體" pitchFamily="34" charset="-120"/>
               </a:rPr>
-              <a:t>傳</a:t>
-            </a:r>
-            <a:r>
-              <a:rPr lang="zh-TW" altLang="en-US" sz="5400" b="1" dirty="0" smtClean="0">
-                <a:solidFill>
-                  <a:srgbClr val="660033"/>
-                </a:solidFill>
-                <a:latin typeface="微軟正黑體" pitchFamily="34" charset="-120"/>
-                <a:ea typeface="微軟正黑體" pitchFamily="34" charset="-120"/>
-              </a:rPr>
-              <a:t>你聖名到萬</a:t>
-            </a:r>
-            <a:r>
-              <a:rPr lang="zh-TW" altLang="en-US" sz="5400" b="1" dirty="0" smtClean="0">
-                <a:solidFill>
-                  <a:srgbClr val="660033"/>
-                </a:solidFill>
-                <a:latin typeface="微軟正黑體" pitchFamily="34" charset="-120"/>
-                <a:ea typeface="微軟正黑體" pitchFamily="34" charset="-120"/>
-              </a:rPr>
-              <a:t>邦</a:t>
-            </a:r>
-            <a:endParaRPr lang="en-US" altLang="zh-TW" sz="5400" b="1" dirty="0" smtClean="0">
+              <a:t>傳你聖名到萬邦</a:t>
+            </a:r>
+            <a:endParaRPr lang="en-US" altLang="zh-TW" sz="4800" b="1" dirty="0">
               <a:solidFill>
                 <a:srgbClr val="660033"/>
               </a:solidFill>
@@ -3541,26 +3517,16 @@
               <a:buNone/>
             </a:pPr>
             <a:r>
-              <a:rPr lang="zh-TW" altLang="en-US" sz="5400" b="1" dirty="0" smtClean="0">
+              <a:rPr lang="zh-TW" altLang="en-US" sz="4800" b="1" dirty="0">
                 <a:solidFill>
                   <a:srgbClr val="660033"/>
                 </a:solidFill>
                 <a:latin typeface="微軟正黑體" pitchFamily="34" charset="-120"/>
                 <a:ea typeface="微軟正黑體" pitchFamily="34" charset="-120"/>
               </a:rPr>
-              <a:t>讓</a:t>
-            </a:r>
-            <a:r>
-              <a:rPr lang="zh-TW" altLang="en-US" sz="5400" b="1" dirty="0" smtClean="0">
-                <a:solidFill>
-                  <a:srgbClr val="660033"/>
-                </a:solidFill>
-                <a:latin typeface="微軟正黑體" pitchFamily="34" charset="-120"/>
-                <a:ea typeface="微軟正黑體" pitchFamily="34" charset="-120"/>
-              </a:rPr>
-              <a:t>萬國得知你的救恩 </a:t>
-            </a:r>
-            <a:endParaRPr lang="en-US" altLang="zh-TW" sz="5400" b="1" dirty="0" smtClean="0">
+              <a:t>讓萬國得知你的救恩 </a:t>
+            </a:r>
+            <a:endParaRPr lang="en-US" altLang="zh-TW" sz="4800" b="1" dirty="0">
               <a:solidFill>
                 <a:srgbClr val="660033"/>
               </a:solidFill>
@@ -3573,26 +3539,16 @@
               <a:buNone/>
             </a:pPr>
             <a:r>
-              <a:rPr lang="zh-TW" altLang="en-US" sz="5400" b="1" dirty="0" smtClean="0">
+              <a:rPr lang="zh-TW" altLang="en-US" sz="4800" b="1" dirty="0">
                 <a:solidFill>
                   <a:srgbClr val="660033"/>
                 </a:solidFill>
                 <a:latin typeface="微軟正黑體" pitchFamily="34" charset="-120"/>
                 <a:ea typeface="微軟正黑體" pitchFamily="34" charset="-120"/>
               </a:rPr>
-              <a:t>讓</a:t>
-            </a:r>
-            <a:r>
-              <a:rPr lang="zh-TW" altLang="en-US" sz="5400" b="1" dirty="0" smtClean="0">
-                <a:solidFill>
-                  <a:srgbClr val="660033"/>
-                </a:solidFill>
-                <a:latin typeface="微軟正黑體" pitchFamily="34" charset="-120"/>
-                <a:ea typeface="微軟正黑體" pitchFamily="34" charset="-120"/>
-              </a:rPr>
-              <a:t>萬民揚聲向你歌唱</a:t>
-            </a:r>
-            <a:endParaRPr lang="zh-TW" altLang="en-US" sz="5400" b="1" dirty="0">
+              <a:t>讓萬民揚聲向你歌唱</a:t>
+            </a:r>
+            <a:endParaRPr lang="zh-TW" altLang="en-US" sz="4800" b="1" dirty="0">
               <a:solidFill>
                 <a:srgbClr val="660033"/>
               </a:solidFill>
@@ -3639,11 +3595,13 @@
         </p:nvSpPr>
         <p:spPr/>
         <p:txBody>
-          <a:bodyPr/>
-          <a:lstStyle/>
-          <a:p>
-            <a:r>
-              <a:rPr lang="zh-TW" altLang="en-US" b="1" dirty="0">
+          <a:bodyPr>
+            <a:normAutofit/>
+          </a:bodyPr>
+          <a:lstStyle/>
+          <a:p>
+            <a:r>
+              <a:rPr lang="zh-TW" altLang="en-US" sz="4000" b="1" dirty="0">
                 <a:solidFill>
                   <a:srgbClr val="660033"/>
                 </a:solidFill>
@@ -3668,7 +3626,7 @@
         <p:spPr/>
         <p:txBody>
           <a:bodyPr>
-            <a:normAutofit/>
+            <a:noAutofit/>
           </a:bodyPr>
           <a:lstStyle/>
           <a:p>
@@ -3676,26 +3634,16 @@
               <a:buNone/>
             </a:pPr>
             <a:r>
-              <a:rPr lang="zh-TW" altLang="en-US" sz="5400" b="1" dirty="0" smtClean="0">
+              <a:rPr lang="zh-TW" altLang="en-US" sz="4800" b="1" dirty="0">
                 <a:solidFill>
                   <a:srgbClr val="660033"/>
                 </a:solidFill>
                 <a:latin typeface="微軟正黑體" pitchFamily="34" charset="-120"/>
                 <a:ea typeface="微軟正黑體" pitchFamily="34" charset="-120"/>
               </a:rPr>
-              <a:t>讓我們起來</a:t>
-            </a:r>
-            <a:r>
-              <a:rPr lang="zh-TW" altLang="en-US" sz="5400" b="1" dirty="0" smtClean="0">
-                <a:solidFill>
-                  <a:srgbClr val="660033"/>
-                </a:solidFill>
-                <a:latin typeface="微軟正黑體" pitchFamily="34" charset="-120"/>
-                <a:ea typeface="微軟正黑體" pitchFamily="34" charset="-120"/>
-              </a:rPr>
-              <a:t>傳揚</a:t>
-            </a:r>
-            <a:endParaRPr lang="en-US" altLang="zh-TW" sz="5400" b="1" dirty="0" smtClean="0">
+              <a:t>讓我們起來傳揚</a:t>
+            </a:r>
+            <a:endParaRPr lang="en-US" altLang="zh-TW" sz="4800" b="1" dirty="0">
               <a:solidFill>
                 <a:srgbClr val="660033"/>
               </a:solidFill>
@@ -3708,36 +3656,16 @@
               <a:buNone/>
             </a:pPr>
             <a:r>
-              <a:rPr lang="zh-TW" altLang="en-US" sz="5400" b="1" dirty="0" smtClean="0">
+              <a:rPr lang="zh-TW" altLang="en-US" sz="4800" b="1" dirty="0">
                 <a:solidFill>
                   <a:srgbClr val="660033"/>
                 </a:solidFill>
                 <a:latin typeface="微軟正黑體" pitchFamily="34" charset="-120"/>
                 <a:ea typeface="微軟正黑體" pitchFamily="34" charset="-120"/>
               </a:rPr>
-              <a:t>傳</a:t>
-            </a:r>
-            <a:r>
-              <a:rPr lang="zh-TW" altLang="en-US" sz="5400" b="1" dirty="0" smtClean="0">
-                <a:solidFill>
-                  <a:srgbClr val="660033"/>
-                </a:solidFill>
-                <a:latin typeface="微軟正黑體" pitchFamily="34" charset="-120"/>
-                <a:ea typeface="微軟正黑體" pitchFamily="34" charset="-120"/>
-              </a:rPr>
-              <a:t>你聖名到萬</a:t>
-            </a:r>
-            <a:r>
-              <a:rPr lang="zh-TW" altLang="en-US" sz="5400" b="1" dirty="0" smtClean="0">
-                <a:solidFill>
-                  <a:srgbClr val="660033"/>
-                </a:solidFill>
-                <a:latin typeface="微軟正黑體" pitchFamily="34" charset="-120"/>
-                <a:ea typeface="微軟正黑體" pitchFamily="34" charset="-120"/>
-              </a:rPr>
-              <a:t>邦</a:t>
-            </a:r>
-            <a:endParaRPr lang="en-US" altLang="zh-TW" sz="5400" b="1" dirty="0" smtClean="0">
+              <a:t>傳你聖名到萬邦</a:t>
+            </a:r>
+            <a:endParaRPr lang="en-US" altLang="zh-TW" sz="4800" b="1" dirty="0">
               <a:solidFill>
                 <a:srgbClr val="660033"/>
               </a:solidFill>
@@ -3750,36 +3678,16 @@
               <a:buNone/>
             </a:pPr>
             <a:r>
-              <a:rPr lang="zh-TW" altLang="en-US" sz="5400" b="1" dirty="0" smtClean="0">
+              <a:rPr lang="zh-TW" altLang="en-US" sz="4800" b="1" dirty="0">
                 <a:solidFill>
                   <a:srgbClr val="660033"/>
                 </a:solidFill>
                 <a:latin typeface="微軟正黑體" pitchFamily="34" charset="-120"/>
                 <a:ea typeface="微軟正黑體" pitchFamily="34" charset="-120"/>
               </a:rPr>
-              <a:t>讓</a:t>
-            </a:r>
-            <a:r>
-              <a:rPr lang="zh-TW" altLang="en-US" sz="5400" b="1" dirty="0" smtClean="0">
-                <a:solidFill>
-                  <a:srgbClr val="660033"/>
-                </a:solidFill>
-                <a:latin typeface="微軟正黑體" pitchFamily="34" charset="-120"/>
-                <a:ea typeface="微軟正黑體" pitchFamily="34" charset="-120"/>
-              </a:rPr>
-              <a:t>世界得知你的</a:t>
-            </a:r>
-            <a:r>
-              <a:rPr lang="zh-TW" altLang="en-US" sz="5400" b="1" dirty="0" smtClean="0">
-                <a:solidFill>
-                  <a:srgbClr val="660033"/>
-                </a:solidFill>
-                <a:latin typeface="微軟正黑體" pitchFamily="34" charset="-120"/>
-                <a:ea typeface="微軟正黑體" pitchFamily="34" charset="-120"/>
-              </a:rPr>
-              <a:t>道路</a:t>
-            </a:r>
-            <a:endParaRPr lang="en-US" altLang="zh-TW" sz="5400" b="1" dirty="0" smtClean="0">
+              <a:t>讓世界得知你的道路</a:t>
+            </a:r>
+            <a:endParaRPr lang="en-US" altLang="zh-TW" sz="4800" b="1" dirty="0">
               <a:solidFill>
                 <a:srgbClr val="660033"/>
               </a:solidFill>
@@ -3792,26 +3700,16 @@
               <a:buNone/>
             </a:pPr>
             <a:r>
-              <a:rPr lang="zh-TW" altLang="en-US" sz="5400" b="1" dirty="0" smtClean="0">
+              <a:rPr lang="zh-TW" altLang="en-US" sz="4800" b="1" dirty="0">
                 <a:solidFill>
                   <a:srgbClr val="660033"/>
                 </a:solidFill>
                 <a:latin typeface="微軟正黑體" pitchFamily="34" charset="-120"/>
                 <a:ea typeface="微軟正黑體" pitchFamily="34" charset="-120"/>
               </a:rPr>
-              <a:t>讓</a:t>
-            </a:r>
-            <a:r>
-              <a:rPr lang="zh-TW" altLang="en-US" sz="5400" b="1" dirty="0" smtClean="0">
-                <a:solidFill>
-                  <a:srgbClr val="660033"/>
-                </a:solidFill>
-                <a:latin typeface="微軟正黑體" pitchFamily="34" charset="-120"/>
-                <a:ea typeface="微軟正黑體" pitchFamily="34" charset="-120"/>
-              </a:rPr>
-              <a:t>主你榮耀照亮四方﻿</a:t>
-            </a:r>
-            <a:endParaRPr lang="zh-TW" altLang="en-US" sz="5400" b="1" dirty="0">
+              <a:t>讓主你榮耀照亮四方﻿</a:t>
+            </a:r>
+            <a:endParaRPr lang="zh-TW" altLang="en-US" sz="4800" b="1" dirty="0">
               <a:solidFill>
                 <a:srgbClr val="660033"/>
               </a:solidFill>

--- a/萬國得知你的救恩(崇拜版).pptx
+++ b/萬國得知你的救恩(崇拜版).pptx
@@ -107,6 +107,22 @@
       </a:defRPr>
     </a:lvl9pPr>
   </p:defaultTextStyle>
+  <p:extLst>
+    <p:ext uri="{EFAFB233-063F-42B5-8137-9DF3F51BA10A}">
+      <p15:sldGuideLst xmlns:p15="http://schemas.microsoft.com/office/powerpoint/2012/main">
+        <p15:guide id="1" orient="horz" pos="1620">
+          <p15:clr>
+            <a:srgbClr val="A4A3A4"/>
+          </p15:clr>
+        </p15:guide>
+        <p15:guide id="2" pos="2880">
+          <p15:clr>
+            <a:srgbClr val="A4A3A4"/>
+          </p15:clr>
+        </p15:guide>
+      </p15:sldGuideLst>
+    </p:ext>
+  </p:extLst>
 </p:presentation>
 </file>
 
@@ -291,7 +307,7 @@
           <a:p>
             <a:fld id="{8117E584-0345-455E-92E5-C83A03908D5D}" type="datetimeFigureOut">
               <a:rPr lang="zh-TW" altLang="en-US" smtClean="0"/>
-              <a:t>2019/8/17</a:t>
+              <a:t>2020/7/18</a:t>
             </a:fld>
             <a:endParaRPr lang="zh-TW" altLang="en-US"/>
           </a:p>
@@ -456,7 +472,7 @@
           <a:p>
             <a:fld id="{8117E584-0345-455E-92E5-C83A03908D5D}" type="datetimeFigureOut">
               <a:rPr lang="zh-TW" altLang="en-US" smtClean="0"/>
-              <a:t>2019/8/17</a:t>
+              <a:t>2020/7/18</a:t>
             </a:fld>
             <a:endParaRPr lang="zh-TW" altLang="en-US"/>
           </a:p>
@@ -631,7 +647,7 @@
           <a:p>
             <a:fld id="{8117E584-0345-455E-92E5-C83A03908D5D}" type="datetimeFigureOut">
               <a:rPr lang="zh-TW" altLang="en-US" smtClean="0"/>
-              <a:t>2019/8/17</a:t>
+              <a:t>2020/7/18</a:t>
             </a:fld>
             <a:endParaRPr lang="zh-TW" altLang="en-US"/>
           </a:p>
@@ -796,7 +812,7 @@
           <a:p>
             <a:fld id="{8117E584-0345-455E-92E5-C83A03908D5D}" type="datetimeFigureOut">
               <a:rPr lang="zh-TW" altLang="en-US" smtClean="0"/>
-              <a:t>2019/8/17</a:t>
+              <a:t>2020/7/18</a:t>
             </a:fld>
             <a:endParaRPr lang="zh-TW" altLang="en-US"/>
           </a:p>
@@ -1037,7 +1053,7 @@
           <a:p>
             <a:fld id="{8117E584-0345-455E-92E5-C83A03908D5D}" type="datetimeFigureOut">
               <a:rPr lang="zh-TW" altLang="en-US" smtClean="0"/>
-              <a:t>2019/8/17</a:t>
+              <a:t>2020/7/18</a:t>
             </a:fld>
             <a:endParaRPr lang="zh-TW" altLang="en-US"/>
           </a:p>
@@ -1320,7 +1336,7 @@
           <a:p>
             <a:fld id="{8117E584-0345-455E-92E5-C83A03908D5D}" type="datetimeFigureOut">
               <a:rPr lang="zh-TW" altLang="en-US" smtClean="0"/>
-              <a:t>2019/8/17</a:t>
+              <a:t>2020/7/18</a:t>
             </a:fld>
             <a:endParaRPr lang="zh-TW" altLang="en-US"/>
           </a:p>
@@ -1737,7 +1753,7 @@
           <a:p>
             <a:fld id="{8117E584-0345-455E-92E5-C83A03908D5D}" type="datetimeFigureOut">
               <a:rPr lang="zh-TW" altLang="en-US" smtClean="0"/>
-              <a:t>2019/8/17</a:t>
+              <a:t>2020/7/18</a:t>
             </a:fld>
             <a:endParaRPr lang="zh-TW" altLang="en-US"/>
           </a:p>
@@ -1850,7 +1866,7 @@
           <a:p>
             <a:fld id="{8117E584-0345-455E-92E5-C83A03908D5D}" type="datetimeFigureOut">
               <a:rPr lang="zh-TW" altLang="en-US" smtClean="0"/>
-              <a:t>2019/8/17</a:t>
+              <a:t>2020/7/18</a:t>
             </a:fld>
             <a:endParaRPr lang="zh-TW" altLang="en-US"/>
           </a:p>
@@ -1940,7 +1956,7 @@
           <a:p>
             <a:fld id="{8117E584-0345-455E-92E5-C83A03908D5D}" type="datetimeFigureOut">
               <a:rPr lang="zh-TW" altLang="en-US" smtClean="0"/>
-              <a:t>2019/8/17</a:t>
+              <a:t>2020/7/18</a:t>
             </a:fld>
             <a:endParaRPr lang="zh-TW" altLang="en-US"/>
           </a:p>
@@ -2212,7 +2228,7 @@
           <a:p>
             <a:fld id="{8117E584-0345-455E-92E5-C83A03908D5D}" type="datetimeFigureOut">
               <a:rPr lang="zh-TW" altLang="en-US" smtClean="0"/>
-              <a:t>2019/8/17</a:t>
+              <a:t>2020/7/18</a:t>
             </a:fld>
             <a:endParaRPr lang="zh-TW" altLang="en-US"/>
           </a:p>
@@ -2464,7 +2480,7 @@
           <a:p>
             <a:fld id="{8117E584-0345-455E-92E5-C83A03908D5D}" type="datetimeFigureOut">
               <a:rPr lang="zh-TW" altLang="en-US" smtClean="0"/>
-              <a:t>2019/8/17</a:t>
+              <a:t>2020/7/18</a:t>
             </a:fld>
             <a:endParaRPr lang="zh-TW" altLang="en-US"/>
           </a:p>
@@ -2677,7 +2693,7 @@
           <a:p>
             <a:fld id="{8117E584-0345-455E-92E5-C83A03908D5D}" type="datetimeFigureOut">
               <a:rPr lang="zh-TW" altLang="en-US" smtClean="0"/>
-              <a:t>2019/8/17</a:t>
+              <a:t>2020/7/18</a:t>
             </a:fld>
             <a:endParaRPr lang="zh-TW" altLang="en-US"/>
           </a:p>
@@ -3072,7 +3088,47 @@
                 <a:latin typeface="微軟正黑體" pitchFamily="34" charset="-120"/>
                 <a:ea typeface="微軟正黑體" pitchFamily="34" charset="-120"/>
               </a:rPr>
-              <a:t>萬國得知你的救恩</a:t>
+              <a:t>萬國得</a:t>
+            </a:r>
+            <a:r>
+              <a:rPr lang="zh-TW" altLang="en-US" sz="4000" b="1" dirty="0" smtClean="0">
+                <a:solidFill>
+                  <a:srgbClr val="660033"/>
+                </a:solidFill>
+                <a:latin typeface="微軟正黑體" pitchFamily="34" charset="-120"/>
+                <a:ea typeface="微軟正黑體" pitchFamily="34" charset="-120"/>
+              </a:rPr>
+              <a:t>知</a:t>
+            </a:r>
+            <a:r>
+              <a:rPr lang="zh-CN" altLang="en-US" sz="4000" b="1" dirty="0" smtClean="0">
+                <a:solidFill>
+                  <a:srgbClr val="660033"/>
+                </a:solidFill>
+                <a:latin typeface="微軟正黑體" pitchFamily="34" charset="-120"/>
+                <a:ea typeface="微軟正黑體" pitchFamily="34" charset="-120"/>
+              </a:rPr>
+              <a:t>袮</a:t>
+            </a:r>
+            <a:r>
+              <a:rPr lang="zh-TW" altLang="en-US" sz="4000" b="1" dirty="0" smtClean="0">
+                <a:solidFill>
+                  <a:srgbClr val="660033"/>
+                </a:solidFill>
+                <a:latin typeface="微軟正黑體" pitchFamily="34" charset="-120"/>
+                <a:ea typeface="微軟正黑體" pitchFamily="34" charset="-120"/>
+              </a:rPr>
+              <a:t>的</a:t>
+            </a:r>
+            <a:r>
+              <a:rPr lang="zh-TW" altLang="en-US" sz="4000" b="1" dirty="0">
+                <a:solidFill>
+                  <a:srgbClr val="660033"/>
+                </a:solidFill>
+                <a:latin typeface="微軟正黑體" pitchFamily="34" charset="-120"/>
+                <a:ea typeface="微軟正黑體" pitchFamily="34" charset="-120"/>
+              </a:rPr>
+              <a:t>救恩</a:t>
             </a:r>
           </a:p>
         </p:txBody>
@@ -3098,6 +3154,36 @@
               <a:buNone/>
             </a:pPr>
             <a:r>
+              <a:rPr lang="zh-TW" altLang="en-US" sz="4800" b="1" dirty="0" smtClean="0">
+                <a:solidFill>
+                  <a:srgbClr val="660033"/>
+                </a:solidFill>
+                <a:latin typeface="微軟正黑體" pitchFamily="34" charset="-120"/>
+                <a:ea typeface="微軟正黑體" pitchFamily="34" charset="-120"/>
+              </a:rPr>
+              <a:t>主</a:t>
+            </a:r>
+            <a:r>
+              <a:rPr lang="zh-CN" altLang="en-US" sz="4800" b="1" dirty="0">
+                <a:solidFill>
+                  <a:srgbClr val="660033"/>
+                </a:solidFill>
+                <a:latin typeface="微軟正黑體" pitchFamily="34" charset="-120"/>
+                <a:ea typeface="微軟正黑體" pitchFamily="34" charset="-120"/>
+              </a:rPr>
+              <a:t>袮</a:t>
+            </a:r>
+            <a:r>
+              <a:rPr lang="zh-TW" altLang="en-US" sz="4800" b="1" dirty="0" smtClean="0">
+                <a:solidFill>
+                  <a:srgbClr val="660033"/>
+                </a:solidFill>
+                <a:latin typeface="微軟正黑體" pitchFamily="34" charset="-120"/>
+                <a:ea typeface="微軟正黑體" pitchFamily="34" charset="-120"/>
+              </a:rPr>
+              <a:t>造</a:t>
+            </a:r>
+            <a:r>
               <a:rPr lang="zh-TW" altLang="en-US" sz="4800" b="1" dirty="0">
                 <a:solidFill>
                   <a:srgbClr val="660033"/>
@@ -3105,7 +3191,7 @@
                 <a:latin typeface="微軟正黑體" pitchFamily="34" charset="-120"/>
                 <a:ea typeface="微軟正黑體" pitchFamily="34" charset="-120"/>
               </a:rPr>
-              <a:t>主你造諸</a:t>
+              <a:t>諸</a:t>
             </a:r>
             <a:r>
               <a:rPr lang="zh-TW" altLang="en-US" sz="4800" b="1" dirty="0" smtClean="0">
@@ -3214,6 +3300,16 @@
               <a:buNone/>
             </a:pPr>
             <a:r>
+              <a:rPr lang="zh-CN" altLang="en-US" sz="4800" b="1" dirty="0">
+                <a:solidFill>
+                  <a:srgbClr val="660033"/>
+                </a:solidFill>
+                <a:latin typeface="微軟正黑體" pitchFamily="34" charset="-120"/>
+                <a:ea typeface="微軟正黑體" pitchFamily="34" charset="-120"/>
+              </a:rPr>
+              <a:t>袮</a:t>
+            </a:r>
+            <a:r>
               <a:rPr lang="zh-TW" altLang="en-US" sz="4800" b="1" dirty="0" smtClean="0">
                 <a:solidFill>
                   <a:srgbClr val="660033"/>
@@ -3221,7 +3317,7 @@
                 <a:latin typeface="微軟正黑體" pitchFamily="34" charset="-120"/>
                 <a:ea typeface="微軟正黑體" pitchFamily="34" charset="-120"/>
               </a:rPr>
-              <a:t>你</a:t>
+              <a:t>的</a:t>
             </a:r>
             <a:r>
               <a:rPr lang="zh-TW" altLang="en-US" sz="4800" b="1" dirty="0">
@@ -3231,7 +3327,7 @@
                 <a:latin typeface="微軟正黑體" pitchFamily="34" charset="-120"/>
                 <a:ea typeface="微軟正黑體" pitchFamily="34" charset="-120"/>
               </a:rPr>
-              <a:t>的救恩如明燈閃亮</a:t>
+              <a:t>救恩如明燈閃亮</a:t>
             </a:r>
           </a:p>
         </p:txBody>
@@ -3286,7 +3382,47 @@
                 <a:latin typeface="微軟正黑體" pitchFamily="34" charset="-120"/>
                 <a:ea typeface="微軟正黑體" pitchFamily="34" charset="-120"/>
               </a:rPr>
-              <a:t>萬國得知你的救恩</a:t>
+              <a:t>萬國得</a:t>
+            </a:r>
+            <a:r>
+              <a:rPr lang="zh-TW" altLang="en-US" sz="4000" b="1" dirty="0" smtClean="0">
+                <a:solidFill>
+                  <a:srgbClr val="660033"/>
+                </a:solidFill>
+                <a:latin typeface="微軟正黑體" pitchFamily="34" charset="-120"/>
+                <a:ea typeface="微軟正黑體" pitchFamily="34" charset="-120"/>
+              </a:rPr>
+              <a:t>知</a:t>
+            </a:r>
+            <a:r>
+              <a:rPr lang="zh-CN" altLang="en-US" sz="4000" b="1" dirty="0">
+                <a:solidFill>
+                  <a:srgbClr val="660033"/>
+                </a:solidFill>
+                <a:latin typeface="微軟正黑體" pitchFamily="34" charset="-120"/>
+                <a:ea typeface="微軟正黑體" pitchFamily="34" charset="-120"/>
+              </a:rPr>
+              <a:t>袮</a:t>
+            </a:r>
+            <a:r>
+              <a:rPr lang="zh-TW" altLang="en-US" sz="4000" b="1" dirty="0" smtClean="0">
+                <a:solidFill>
+                  <a:srgbClr val="660033"/>
+                </a:solidFill>
+                <a:latin typeface="微軟正黑體" pitchFamily="34" charset="-120"/>
+                <a:ea typeface="微軟正黑體" pitchFamily="34" charset="-120"/>
+              </a:rPr>
+              <a:t>的</a:t>
+            </a:r>
+            <a:r>
+              <a:rPr lang="zh-TW" altLang="en-US" sz="4000" b="1" dirty="0">
+                <a:solidFill>
+                  <a:srgbClr val="660033"/>
+                </a:solidFill>
+                <a:latin typeface="微軟正黑體" pitchFamily="34" charset="-120"/>
+                <a:ea typeface="微軟正黑體" pitchFamily="34" charset="-120"/>
+              </a:rPr>
+              <a:t>救恩</a:t>
             </a:r>
           </a:p>
         </p:txBody>
@@ -3312,6 +3448,26 @@
               <a:buNone/>
             </a:pPr>
             <a:r>
+              <a:rPr lang="zh-CN" altLang="en-US" sz="4800" b="1" dirty="0">
+                <a:solidFill>
+                  <a:srgbClr val="660033"/>
+                </a:solidFill>
+                <a:latin typeface="微軟正黑體" pitchFamily="34" charset="-120"/>
+                <a:ea typeface="微軟正黑體" pitchFamily="34" charset="-120"/>
+              </a:rPr>
+              <a:t>袮</a:t>
+            </a:r>
+            <a:r>
+              <a:rPr lang="zh-TW" altLang="en-US" sz="4800" b="1" dirty="0" smtClean="0">
+                <a:solidFill>
+                  <a:srgbClr val="660033"/>
+                </a:solidFill>
+                <a:latin typeface="微軟正黑體" pitchFamily="34" charset="-120"/>
+                <a:ea typeface="微軟正黑體" pitchFamily="34" charset="-120"/>
+              </a:rPr>
+              <a:t>的</a:t>
+            </a:r>
+            <a:r>
               <a:rPr lang="zh-TW" altLang="en-US" sz="4800" b="1" dirty="0">
                 <a:solidFill>
                   <a:srgbClr val="660033"/>
@@ -3319,7 +3475,7 @@
                 <a:latin typeface="微軟正黑體" pitchFamily="34" charset="-120"/>
                 <a:ea typeface="微軟正黑體" pitchFamily="34" charset="-120"/>
               </a:rPr>
-              <a:t>你的臂膀  大有能力</a:t>
+              <a:t>臂膀  大有能力</a:t>
             </a:r>
             <a:endParaRPr lang="en-US" altLang="zh-TW" sz="4800" b="1" dirty="0">
               <a:solidFill>
@@ -3334,6 +3490,26 @@
               <a:buNone/>
             </a:pPr>
             <a:r>
+              <a:rPr lang="zh-CN" altLang="en-US" sz="4800" b="1" dirty="0">
+                <a:solidFill>
+                  <a:srgbClr val="660033"/>
+                </a:solidFill>
+                <a:latin typeface="微軟正黑體" pitchFamily="34" charset="-120"/>
+                <a:ea typeface="微軟正黑體" pitchFamily="34" charset="-120"/>
+              </a:rPr>
+              <a:t>袮</a:t>
+            </a:r>
+            <a:r>
+              <a:rPr lang="zh-TW" altLang="en-US" sz="4800" b="1" dirty="0" smtClean="0">
+                <a:solidFill>
+                  <a:srgbClr val="660033"/>
+                </a:solidFill>
+                <a:latin typeface="微軟正黑體" pitchFamily="34" charset="-120"/>
+                <a:ea typeface="微軟正黑體" pitchFamily="34" charset="-120"/>
+              </a:rPr>
+              <a:t>的</a:t>
+            </a:r>
+            <a:r>
               <a:rPr lang="zh-TW" altLang="en-US" sz="4800" b="1" dirty="0">
                 <a:solidFill>
                   <a:srgbClr val="660033"/>
@@ -3341,7 +3517,7 @@
                 <a:latin typeface="微軟正黑體" pitchFamily="34" charset="-120"/>
                 <a:ea typeface="微軟正黑體" pitchFamily="34" charset="-120"/>
               </a:rPr>
-              <a:t>你的殿宇高大輝煌</a:t>
+              <a:t>殿宇高大輝煌</a:t>
             </a:r>
             <a:endParaRPr lang="en-US" altLang="zh-TW" sz="4800" b="1" dirty="0">
               <a:solidFill>
@@ -3378,6 +3554,26 @@
               <a:buNone/>
             </a:pPr>
             <a:r>
+              <a:rPr lang="zh-CN" altLang="en-US" sz="4800" b="1" dirty="0">
+                <a:solidFill>
+                  <a:srgbClr val="660033"/>
+                </a:solidFill>
+                <a:latin typeface="微軟正黑體" pitchFamily="34" charset="-120"/>
+                <a:ea typeface="微軟正黑體" pitchFamily="34" charset="-120"/>
+              </a:rPr>
+              <a:t>袮</a:t>
+            </a:r>
+            <a:r>
+              <a:rPr lang="zh-TW" altLang="en-US" sz="4800" b="1" dirty="0" smtClean="0">
+                <a:solidFill>
+                  <a:srgbClr val="660033"/>
+                </a:solidFill>
+                <a:latin typeface="微軟正黑體" pitchFamily="34" charset="-120"/>
+                <a:ea typeface="微軟正黑體" pitchFamily="34" charset="-120"/>
+              </a:rPr>
+              <a:t>的</a:t>
+            </a:r>
+            <a:r>
               <a:rPr lang="zh-TW" altLang="en-US" sz="4800" b="1" dirty="0">
                 <a:solidFill>
                   <a:srgbClr val="660033"/>
@@ -3385,15 +3581,8 @@
                 <a:latin typeface="微軟正黑體" pitchFamily="34" charset="-120"/>
                 <a:ea typeface="微軟正黑體" pitchFamily="34" charset="-120"/>
               </a:rPr>
-              <a:t>你的慈愛充滿全地之上</a:t>
-            </a:r>
-            <a:endParaRPr lang="zh-TW" altLang="en-US" sz="4800" b="1" dirty="0">
-              <a:solidFill>
-                <a:srgbClr val="660033"/>
-              </a:solidFill>
-              <a:latin typeface="微軟正黑體" pitchFamily="34" charset="-120"/>
-              <a:ea typeface="微軟正黑體" pitchFamily="34" charset="-120"/>
-            </a:endParaRPr>
+              <a:t>慈愛充滿全地之上</a:t>
+            </a:r>
           </a:p>
         </p:txBody>
       </p:sp>
@@ -3447,7 +3636,47 @@
                 <a:latin typeface="微軟正黑體" pitchFamily="34" charset="-120"/>
                 <a:ea typeface="微軟正黑體" pitchFamily="34" charset="-120"/>
               </a:rPr>
-              <a:t>萬國得知你的救恩</a:t>
+              <a:t>萬國得</a:t>
+            </a:r>
+            <a:r>
+              <a:rPr lang="zh-TW" altLang="en-US" sz="4000" b="1" dirty="0" smtClean="0">
+                <a:solidFill>
+                  <a:srgbClr val="660033"/>
+                </a:solidFill>
+                <a:latin typeface="微軟正黑體" pitchFamily="34" charset="-120"/>
+                <a:ea typeface="微軟正黑體" pitchFamily="34" charset="-120"/>
+              </a:rPr>
+              <a:t>知</a:t>
+            </a:r>
+            <a:r>
+              <a:rPr lang="zh-CN" altLang="en-US" sz="4000" b="1" dirty="0">
+                <a:solidFill>
+                  <a:srgbClr val="660033"/>
+                </a:solidFill>
+                <a:latin typeface="微軟正黑體" pitchFamily="34" charset="-120"/>
+                <a:ea typeface="微軟正黑體" pitchFamily="34" charset="-120"/>
+              </a:rPr>
+              <a:t>袮</a:t>
+            </a:r>
+            <a:r>
+              <a:rPr lang="zh-TW" altLang="en-US" sz="4000" b="1" dirty="0" smtClean="0">
+                <a:solidFill>
+                  <a:srgbClr val="660033"/>
+                </a:solidFill>
+                <a:latin typeface="微軟正黑體" pitchFamily="34" charset="-120"/>
+                <a:ea typeface="微軟正黑體" pitchFamily="34" charset="-120"/>
+              </a:rPr>
+              <a:t>的</a:t>
+            </a:r>
+            <a:r>
+              <a:rPr lang="zh-TW" altLang="en-US" sz="4000" b="1" dirty="0">
+                <a:solidFill>
+                  <a:srgbClr val="660033"/>
+                </a:solidFill>
+                <a:latin typeface="微軟正黑體" pitchFamily="34" charset="-120"/>
+                <a:ea typeface="微軟正黑體" pitchFamily="34" charset="-120"/>
+              </a:rPr>
+              <a:t>救恩</a:t>
             </a:r>
           </a:p>
         </p:txBody>
@@ -3495,6 +3724,36 @@
               <a:buNone/>
             </a:pPr>
             <a:r>
+              <a:rPr lang="zh-TW" altLang="en-US" sz="4800" b="1" dirty="0" smtClean="0">
+                <a:solidFill>
+                  <a:srgbClr val="660033"/>
+                </a:solidFill>
+                <a:latin typeface="微軟正黑體" pitchFamily="34" charset="-120"/>
+                <a:ea typeface="微軟正黑體" pitchFamily="34" charset="-120"/>
+              </a:rPr>
+              <a:t>傳</a:t>
+            </a:r>
+            <a:r>
+              <a:rPr lang="zh-CN" altLang="en-US" sz="4800" b="1" dirty="0">
+                <a:solidFill>
+                  <a:srgbClr val="660033"/>
+                </a:solidFill>
+                <a:latin typeface="微軟正黑體" pitchFamily="34" charset="-120"/>
+                <a:ea typeface="微軟正黑體" pitchFamily="34" charset="-120"/>
+              </a:rPr>
+              <a:t>袮</a:t>
+            </a:r>
+            <a:r>
+              <a:rPr lang="zh-TW" altLang="en-US" sz="4800" b="1" dirty="0" smtClean="0">
+                <a:solidFill>
+                  <a:srgbClr val="660033"/>
+                </a:solidFill>
+                <a:latin typeface="微軟正黑體" pitchFamily="34" charset="-120"/>
+                <a:ea typeface="微軟正黑體" pitchFamily="34" charset="-120"/>
+              </a:rPr>
+              <a:t>聖</a:t>
+            </a:r>
+            <a:r>
               <a:rPr lang="zh-TW" altLang="en-US" sz="4800" b="1" dirty="0">
                 <a:solidFill>
                   <a:srgbClr val="660033"/>
@@ -3502,7 +3761,7 @@
                 <a:latin typeface="微軟正黑體" pitchFamily="34" charset="-120"/>
                 <a:ea typeface="微軟正黑體" pitchFamily="34" charset="-120"/>
               </a:rPr>
-              <a:t>傳你聖名到萬邦</a:t>
+              <a:t>名到萬邦</a:t>
             </a:r>
             <a:endParaRPr lang="en-US" altLang="zh-TW" sz="4800" b="1" dirty="0">
               <a:solidFill>
@@ -3524,7 +3783,47 @@
                 <a:latin typeface="微軟正黑體" pitchFamily="34" charset="-120"/>
                 <a:ea typeface="微軟正黑體" pitchFamily="34" charset="-120"/>
               </a:rPr>
-              <a:t>讓萬國得知你的救恩 </a:t>
+              <a:t>讓萬國得</a:t>
+            </a:r>
+            <a:r>
+              <a:rPr lang="zh-TW" altLang="en-US" sz="4800" b="1" dirty="0" smtClean="0">
+                <a:solidFill>
+                  <a:srgbClr val="660033"/>
+                </a:solidFill>
+                <a:latin typeface="微軟正黑體" pitchFamily="34" charset="-120"/>
+                <a:ea typeface="微軟正黑體" pitchFamily="34" charset="-120"/>
+              </a:rPr>
+              <a:t>知</a:t>
+            </a:r>
+            <a:r>
+              <a:rPr lang="zh-CN" altLang="en-US" sz="4800" b="1" dirty="0">
+                <a:solidFill>
+                  <a:srgbClr val="660033"/>
+                </a:solidFill>
+                <a:latin typeface="微軟正黑體" pitchFamily="34" charset="-120"/>
+                <a:ea typeface="微軟正黑體" pitchFamily="34" charset="-120"/>
+              </a:rPr>
+              <a:t>袮</a:t>
+            </a:r>
+            <a:r>
+              <a:rPr lang="zh-TW" altLang="en-US" sz="4800" b="1" dirty="0" smtClean="0">
+                <a:solidFill>
+                  <a:srgbClr val="660033"/>
+                </a:solidFill>
+                <a:latin typeface="微軟正黑體" pitchFamily="34" charset="-120"/>
+                <a:ea typeface="微軟正黑體" pitchFamily="34" charset="-120"/>
+              </a:rPr>
+              <a:t>的</a:t>
+            </a:r>
+            <a:r>
+              <a:rPr lang="zh-TW" altLang="en-US" sz="4800" b="1" dirty="0">
+                <a:solidFill>
+                  <a:srgbClr val="660033"/>
+                </a:solidFill>
+                <a:latin typeface="微軟正黑體" pitchFamily="34" charset="-120"/>
+                <a:ea typeface="微軟正黑體" pitchFamily="34" charset="-120"/>
+              </a:rPr>
+              <a:t>救恩 </a:t>
             </a:r>
             <a:endParaRPr lang="en-US" altLang="zh-TW" sz="4800" b="1" dirty="0">
               <a:solidFill>
@@ -3546,15 +3845,48 @@
                 <a:latin typeface="微軟正黑體" pitchFamily="34" charset="-120"/>
                 <a:ea typeface="微軟正黑體" pitchFamily="34" charset="-120"/>
               </a:rPr>
-              <a:t>讓萬民揚聲向你歌唱</a:t>
-            </a:r>
-            <a:endParaRPr lang="zh-TW" altLang="en-US" sz="4800" b="1" dirty="0">
-              <a:solidFill>
-                <a:srgbClr val="660033"/>
-              </a:solidFill>
-              <a:latin typeface="微軟正黑體" pitchFamily="34" charset="-120"/>
-              <a:ea typeface="微軟正黑體" pitchFamily="34" charset="-120"/>
-            </a:endParaRPr>
+              <a:t>讓萬民揚聲</a:t>
+            </a:r>
+            <a:r>
+              <a:rPr lang="zh-TW" altLang="en-US" sz="4800" b="1" dirty="0" smtClean="0">
+                <a:solidFill>
+                  <a:srgbClr val="660033"/>
+                </a:solidFill>
+                <a:latin typeface="微軟正黑體" pitchFamily="34" charset="-120"/>
+                <a:ea typeface="微軟正黑體" pitchFamily="34" charset="-120"/>
+              </a:rPr>
+              <a:t>向</a:t>
+            </a:r>
+            <a:r>
+              <a:rPr lang="zh-CN" altLang="en-US" sz="4800" b="1" dirty="0">
+                <a:solidFill>
+                  <a:srgbClr val="660033"/>
+                </a:solidFill>
+                <a:latin typeface="微軟正黑體" pitchFamily="34" charset="-120"/>
+                <a:ea typeface="微軟正黑體" pitchFamily="34" charset="-120"/>
+              </a:rPr>
+              <a:t>袮</a:t>
+            </a:r>
+            <a:r>
+              <a:rPr lang="zh-TW" altLang="en-US" sz="4800" b="1" dirty="0" smtClean="0">
+                <a:solidFill>
+                  <a:srgbClr val="660033"/>
+                </a:solidFill>
+                <a:latin typeface="微軟正黑體" pitchFamily="34" charset="-120"/>
+                <a:ea typeface="微軟正黑體" pitchFamily="34" charset="-120"/>
+              </a:rPr>
+              <a:t>歌</a:t>
+            </a:r>
+            <a:r>
+              <a:rPr lang="zh-TW" altLang="en-US" sz="4800" b="1" dirty="0">
+                <a:solidFill>
+                  <a:srgbClr val="660033"/>
+                </a:solidFill>
+                <a:latin typeface="微軟正黑體" pitchFamily="34" charset="-120"/>
+                <a:ea typeface="微軟正黑體" pitchFamily="34" charset="-120"/>
+              </a:rPr>
+              <a:t>唱</a:t>
+            </a:r>
           </a:p>
         </p:txBody>
       </p:sp>
@@ -3608,7 +3940,47 @@
                 <a:latin typeface="微軟正黑體" pitchFamily="34" charset="-120"/>
                 <a:ea typeface="微軟正黑體" pitchFamily="34" charset="-120"/>
               </a:rPr>
-              <a:t>萬國得知你的救恩</a:t>
+              <a:t>萬國得</a:t>
+            </a:r>
+            <a:r>
+              <a:rPr lang="zh-TW" altLang="en-US" sz="4000" b="1" dirty="0" smtClean="0">
+                <a:solidFill>
+                  <a:srgbClr val="660033"/>
+                </a:solidFill>
+                <a:latin typeface="微軟正黑體" pitchFamily="34" charset="-120"/>
+                <a:ea typeface="微軟正黑體" pitchFamily="34" charset="-120"/>
+              </a:rPr>
+              <a:t>知</a:t>
+            </a:r>
+            <a:r>
+              <a:rPr lang="zh-CN" altLang="en-US" sz="4000" b="1" dirty="0">
+                <a:solidFill>
+                  <a:srgbClr val="660033"/>
+                </a:solidFill>
+                <a:latin typeface="微軟正黑體" pitchFamily="34" charset="-120"/>
+                <a:ea typeface="微軟正黑體" pitchFamily="34" charset="-120"/>
+              </a:rPr>
+              <a:t>袮</a:t>
+            </a:r>
+            <a:r>
+              <a:rPr lang="zh-TW" altLang="en-US" sz="4000" b="1" dirty="0" smtClean="0">
+                <a:solidFill>
+                  <a:srgbClr val="660033"/>
+                </a:solidFill>
+                <a:latin typeface="微軟正黑體" pitchFamily="34" charset="-120"/>
+                <a:ea typeface="微軟正黑體" pitchFamily="34" charset="-120"/>
+              </a:rPr>
+              <a:t>的</a:t>
+            </a:r>
+            <a:r>
+              <a:rPr lang="zh-TW" altLang="en-US" sz="4000" b="1" dirty="0">
+                <a:solidFill>
+                  <a:srgbClr val="660033"/>
+                </a:solidFill>
+                <a:latin typeface="微軟正黑體" pitchFamily="34" charset="-120"/>
+                <a:ea typeface="微軟正黑體" pitchFamily="34" charset="-120"/>
+              </a:rPr>
+              <a:t>救恩</a:t>
             </a:r>
           </a:p>
         </p:txBody>
@@ -3656,6 +4028,36 @@
               <a:buNone/>
             </a:pPr>
             <a:r>
+              <a:rPr lang="zh-TW" altLang="en-US" sz="4800" b="1" dirty="0" smtClean="0">
+                <a:solidFill>
+                  <a:srgbClr val="660033"/>
+                </a:solidFill>
+                <a:latin typeface="微軟正黑體" pitchFamily="34" charset="-120"/>
+                <a:ea typeface="微軟正黑體" pitchFamily="34" charset="-120"/>
+              </a:rPr>
+              <a:t>傳</a:t>
+            </a:r>
+            <a:r>
+              <a:rPr lang="zh-CN" altLang="en-US" sz="4800" b="1" dirty="0">
+                <a:solidFill>
+                  <a:srgbClr val="660033"/>
+                </a:solidFill>
+                <a:latin typeface="微軟正黑體" pitchFamily="34" charset="-120"/>
+                <a:ea typeface="微軟正黑體" pitchFamily="34" charset="-120"/>
+              </a:rPr>
+              <a:t>袮</a:t>
+            </a:r>
+            <a:r>
+              <a:rPr lang="zh-TW" altLang="en-US" sz="4800" b="1" dirty="0" smtClean="0">
+                <a:solidFill>
+                  <a:srgbClr val="660033"/>
+                </a:solidFill>
+                <a:latin typeface="微軟正黑體" pitchFamily="34" charset="-120"/>
+                <a:ea typeface="微軟正黑體" pitchFamily="34" charset="-120"/>
+              </a:rPr>
+              <a:t>聖</a:t>
+            </a:r>
+            <a:r>
               <a:rPr lang="zh-TW" altLang="en-US" sz="4800" b="1" dirty="0">
                 <a:solidFill>
                   <a:srgbClr val="660033"/>
@@ -3663,7 +4065,7 @@
                 <a:latin typeface="微軟正黑體" pitchFamily="34" charset="-120"/>
                 <a:ea typeface="微軟正黑體" pitchFamily="34" charset="-120"/>
               </a:rPr>
-              <a:t>傳你聖名到萬邦</a:t>
+              <a:t>名到萬邦</a:t>
             </a:r>
             <a:endParaRPr lang="en-US" altLang="zh-TW" sz="4800" b="1" dirty="0">
               <a:solidFill>
@@ -3685,7 +4087,47 @@
                 <a:latin typeface="微軟正黑體" pitchFamily="34" charset="-120"/>
                 <a:ea typeface="微軟正黑體" pitchFamily="34" charset="-120"/>
               </a:rPr>
-              <a:t>讓世界得知你的道路</a:t>
+              <a:t>讓世界得</a:t>
+            </a:r>
+            <a:r>
+              <a:rPr lang="zh-TW" altLang="en-US" sz="4800" b="1" dirty="0" smtClean="0">
+                <a:solidFill>
+                  <a:srgbClr val="660033"/>
+                </a:solidFill>
+                <a:latin typeface="微軟正黑體" pitchFamily="34" charset="-120"/>
+                <a:ea typeface="微軟正黑體" pitchFamily="34" charset="-120"/>
+              </a:rPr>
+              <a:t>知</a:t>
+            </a:r>
+            <a:r>
+              <a:rPr lang="zh-CN" altLang="en-US" sz="4800" b="1" dirty="0">
+                <a:solidFill>
+                  <a:srgbClr val="660033"/>
+                </a:solidFill>
+                <a:latin typeface="微軟正黑體" pitchFamily="34" charset="-120"/>
+                <a:ea typeface="微軟正黑體" pitchFamily="34" charset="-120"/>
+              </a:rPr>
+              <a:t>袮</a:t>
+            </a:r>
+            <a:r>
+              <a:rPr lang="zh-TW" altLang="en-US" sz="4800" b="1" dirty="0" smtClean="0">
+                <a:solidFill>
+                  <a:srgbClr val="660033"/>
+                </a:solidFill>
+                <a:latin typeface="微軟正黑體" pitchFamily="34" charset="-120"/>
+                <a:ea typeface="微軟正黑體" pitchFamily="34" charset="-120"/>
+              </a:rPr>
+              <a:t>的</a:t>
+            </a:r>
+            <a:r>
+              <a:rPr lang="zh-TW" altLang="en-US" sz="4800" b="1" dirty="0">
+                <a:solidFill>
+                  <a:srgbClr val="660033"/>
+                </a:solidFill>
+                <a:latin typeface="微軟正黑體" pitchFamily="34" charset="-120"/>
+                <a:ea typeface="微軟正黑體" pitchFamily="34" charset="-120"/>
+              </a:rPr>
+              <a:t>道路</a:t>
             </a:r>
             <a:endParaRPr lang="en-US" altLang="zh-TW" sz="4800" b="1" dirty="0">
               <a:solidFill>
@@ -3707,15 +4149,48 @@
                 <a:latin typeface="微軟正黑體" pitchFamily="34" charset="-120"/>
                 <a:ea typeface="微軟正黑體" pitchFamily="34" charset="-120"/>
               </a:rPr>
-              <a:t>讓主你榮耀照亮四方﻿</a:t>
-            </a:r>
-            <a:endParaRPr lang="zh-TW" altLang="en-US" sz="4800" b="1" dirty="0">
-              <a:solidFill>
-                <a:srgbClr val="660033"/>
-              </a:solidFill>
-              <a:latin typeface="微軟正黑體" pitchFamily="34" charset="-120"/>
-              <a:ea typeface="微軟正黑體" pitchFamily="34" charset="-120"/>
-            </a:endParaRPr>
+              <a:t>讓</a:t>
+            </a:r>
+            <a:r>
+              <a:rPr lang="zh-TW" altLang="en-US" sz="4800" b="1" dirty="0" smtClean="0">
+                <a:solidFill>
+                  <a:srgbClr val="660033"/>
+                </a:solidFill>
+                <a:latin typeface="微軟正黑體" pitchFamily="34" charset="-120"/>
+                <a:ea typeface="微軟正黑體" pitchFamily="34" charset="-120"/>
+              </a:rPr>
+              <a:t>主</a:t>
+            </a:r>
+            <a:r>
+              <a:rPr lang="zh-CN" altLang="en-US" sz="4800" b="1" dirty="0">
+                <a:solidFill>
+                  <a:srgbClr val="660033"/>
+                </a:solidFill>
+                <a:latin typeface="微軟正黑體" pitchFamily="34" charset="-120"/>
+                <a:ea typeface="微軟正黑體" pitchFamily="34" charset="-120"/>
+              </a:rPr>
+              <a:t>袮</a:t>
+            </a:r>
+            <a:r>
+              <a:rPr lang="zh-TW" altLang="en-US" sz="4800" b="1" dirty="0" smtClean="0">
+                <a:solidFill>
+                  <a:srgbClr val="660033"/>
+                </a:solidFill>
+                <a:latin typeface="微軟正黑體" pitchFamily="34" charset="-120"/>
+                <a:ea typeface="微軟正黑體" pitchFamily="34" charset="-120"/>
+              </a:rPr>
+              <a:t>榮</a:t>
+            </a:r>
+            <a:r>
+              <a:rPr lang="zh-TW" altLang="en-US" sz="4800" b="1" dirty="0">
+                <a:solidFill>
+                  <a:srgbClr val="660033"/>
+                </a:solidFill>
+                <a:latin typeface="微軟正黑體" pitchFamily="34" charset="-120"/>
+                <a:ea typeface="微軟正黑體" pitchFamily="34" charset="-120"/>
+              </a:rPr>
+              <a:t>耀照亮四方﻿</a:t>
+            </a:r>
           </a:p>
         </p:txBody>
       </p:sp>

--- a/萬國得知你的救恩(崇拜版).pptx
+++ b/萬國得知你的救恩(崇拜版).pptx
@@ -3490,7 +3490,7 @@
               <a:buNone/>
             </a:pPr>
             <a:r>
-              <a:rPr lang="zh-CN" altLang="en-US" sz="4800" b="1" dirty="0">
+              <a:rPr lang="zh-CN" altLang="en-US" sz="4800" b="1" dirty="0" smtClean="0">
                 <a:solidFill>
                   <a:srgbClr val="660033"/>
                 </a:solidFill>
@@ -3507,7 +3507,7 @@
                 <a:latin typeface="微軟正黑體" pitchFamily="34" charset="-120"/>
                 <a:ea typeface="微軟正黑體" pitchFamily="34" charset="-120"/>
               </a:rPr>
-              <a:t>的</a:t>
+              <a:t>殿</a:t>
             </a:r>
             <a:r>
               <a:rPr lang="zh-TW" altLang="en-US" sz="4800" b="1" dirty="0">
@@ -3517,7 +3517,7 @@
                 <a:latin typeface="微軟正黑體" pitchFamily="34" charset="-120"/>
                 <a:ea typeface="微軟正黑體" pitchFamily="34" charset="-120"/>
               </a:rPr>
-              <a:t>殿宇高大輝煌</a:t>
+              <a:t>宇高大輝煌</a:t>
             </a:r>
             <a:endParaRPr lang="en-US" altLang="zh-TW" sz="4800" b="1" dirty="0">
               <a:solidFill>
@@ -3554,7 +3554,7 @@
               <a:buNone/>
             </a:pPr>
             <a:r>
-              <a:rPr lang="zh-CN" altLang="en-US" sz="4800" b="1" dirty="0">
+              <a:rPr lang="zh-CN" altLang="en-US" sz="4800" b="1" dirty="0" smtClean="0">
                 <a:solidFill>
                   <a:srgbClr val="660033"/>
                 </a:solidFill>
@@ -3571,7 +3571,7 @@
                 <a:latin typeface="微軟正黑體" pitchFamily="34" charset="-120"/>
                 <a:ea typeface="微軟正黑體" pitchFamily="34" charset="-120"/>
               </a:rPr>
-              <a:t>的</a:t>
+              <a:t>慈</a:t>
             </a:r>
             <a:r>
               <a:rPr lang="zh-TW" altLang="en-US" sz="4800" b="1" dirty="0">
@@ -3581,7 +3581,7 @@
                 <a:latin typeface="微軟正黑體" pitchFamily="34" charset="-120"/>
                 <a:ea typeface="微軟正黑體" pitchFamily="34" charset="-120"/>
               </a:rPr>
-              <a:t>慈愛充滿全地之上</a:t>
+              <a:t>愛充滿全地之上</a:t>
             </a:r>
           </a:p>
         </p:txBody>
